--- a/sd/qa/unit/data/pptx/smartart-linear-rule.pptx
+++ b/sd/qa/unit/data/pptx/smartart-linear-rule.pptx
@@ -1208,10 +1208,28 @@
     </dgm:shape>
     <dgm:presOf/>
     <dgm:constrLst>
+      <dgm:constr type="w" for="ch" forName="dummy" refType="w"/>
+      <dgm:constr type="h" for="ch" forName="dummy" refType="h"/>
+      <dgm:constr type="h" for="ch" forName="dummy" refType="w" refFor="ch" refForName="dummy" op="lte" fact="0.4"/>
+      <dgm:constr type="ctrX" for="ch" forName="dummy" refType="w" fact="0.5"/>
+      <dgm:constr type="ctrY" for="ch" forName="dummy" refType="h" fact="0.5"/>
       <dgm:constr type="w" for="ch" forName="linH" refType="w"/>
       <dgm:constr type="h" for="ch" forName="linH" refType="h"/>
+      <dgm:constr type="ctrX" for="ch" forName="linH" refType="w" fact="0.5"/>
+      <dgm:constr type="ctrY" for="ch" forName="linH" refType="h" fact="0.5"/>
+      <dgm:constr type="userP" for="ch" forName="linH" refType="h" refFor="ch" refForName="dummy" fact="0.25"/>
+      <dgm:constr type="userT" for="des" forName="parTx" refType="w" refFor="ch" refForName="dummy" fact="0.2"/>
     </dgm:constrLst>
     <dgm:ruleLst/>
+    <dgm:layoutNode name="dummy">
+      <dgm:alg type="sp"/>
+      <dgm:shape xmlns:r="http://schemas.openxmlformats.org/officeDocument/2006/relationships" r:blip="">
+        <dgm:adjLst/>
+      </dgm:shape>
+      <dgm:presOf/>
+      <dgm:constrLst/>
+      <dgm:ruleLst/>
+    </dgm:layoutNode>
     <dgm:layoutNode name="linH">
       <dgm:alg type="lin">
         <dgm:param type="linDir" val="fromL"/>
@@ -1223,19 +1241,36 @@
       <dgm:presOf/>
       <dgm:constrLst>
         <dgm:constr type="primFontSz" for="des" forName="parTx" val="65"/>
+        <dgm:constr type="primFontSz" for="des" forName="desTx" refType="primFontSz" refFor="des" refForName="parTx" op="equ"/>
+        <dgm:constr type="h" for="des" forName="parTx" refType="primFontSz" refFor="des" refForName="parTx"/>
+        <dgm:constr type="h" for="des" forName="desTx" refType="primFontSz" refFor="des" refForName="parTx" fact="0.5"/>
+        <dgm:constr type="h" for="des" forName="parTx" op="equ"/>
+        <dgm:constr type="h" for="des" forName="desTx" op="equ"/>
+        <dgm:constr type="h" for="ch" forName="backgroundArrow" refType="primFontSz" refFor="des" refForName="parTx" fact="2"/>
+        <dgm:constr type="h" for="ch" forName="backgroundArrow" refType="h" refFor="des" refForName="parTx" op="lte" fact="2"/>
+        <dgm:constr type="h" for="ch" forName="backgroundArrow" refType="h" refFor="des" refForName="parTx" op="gte" fact="2"/>
+        <dgm:constr type="h" for="des" forName="spVertical1" refType="primFontSz" refFor="des" refForName="parTx" fact="0.5"/>
+        <dgm:constr type="h" for="des" forName="spVertical1" refType="h" refFor="des" refForName="parTx" op="lte" fact="0.5"/>
+        <dgm:constr type="h" for="des" forName="spVertical1" refType="h" refFor="des" refForName="parTx" op="gte" fact="0.5"/>
+        <dgm:constr type="h" for="des" forName="spVertical2" refType="primFontSz" refFor="des" refForName="parTx" fact="0.5"/>
+        <dgm:constr type="h" for="des" forName="spVertical2" refType="h" refFor="des" refForName="parTx" op="lte" fact="0.5"/>
+        <dgm:constr type="h" for="des" forName="spVertical2" refType="h" refFor="des" refForName="parTx" op="gte" fact="0.5"/>
+        <dgm:constr type="h" for="des" forName="spVertical3" refType="primFontSz" refFor="des" refForName="parTx" fact="-0.4"/>
+        <dgm:constr type="h" for="des" forName="spVertical3" refType="h" refFor="des" refForName="parTx" op="lte" fact="-0.4"/>
+        <dgm:constr type="h" for="des" forName="spVertical3" refType="h" refFor="des" refForName="parTx" op="gte" fact="-0.4"/>
+        <dgm:constr type="w" for="ch" forName="backgroundArrow" refType="w"/>
+        <dgm:constr type="w" for="ch" forName="negArrow" refType="w" fact="-1"/>
+        <dgm:constr type="w" for="ch" forName="linV" refType="w"/>
+        <dgm:constr type="w" for="ch" forName="space" refType="w" refFor="ch" refForName="linV" fact="0.2"/>
         <dgm:constr type="w" for="ch" forName="padding1" refType="w" fact="0.08"/>
-        <dgm:constr type="w" for="ch" forName="linV" refType="w"/>
-        <dgm:constr type="h" for="des" forName="spVertical1" refType="primFontSz" refFor="des" refForName="parTx" fact="0.5"/>
-        <dgm:constr type="h" for="des" forName="parTx" refType="primFontSz" refFor="des" refForName="parTx"/>
-        <dgm:constr type="w" for="ch" forName="negArrow" refType="w" fact="-1"/>
-        <dgm:constr type="h" for="ch" forName="backgroundArrow" refType="h"/>
-        <dgm:constr type="w" for="ch" forName="backgroundArrow" refType="w"/>
+        <dgm:constr type="userP"/>
+        <dgm:constr type="w" for="ch" forName="padding2" refType="userP"/>
       </dgm:constrLst>
       <dgm:ruleLst>
         <dgm:rule type="w" for="ch" forName="linV" val="0" fact="NaN" max="NaN"/>
         <dgm:rule type="primFontSz" for="des" forName="parTx" val="5" fact="NaN" max="NaN"/>
       </dgm:ruleLst>
-      <dgm:layoutNode name="padding1">
+      <!--<dgm:layoutNode name="padding1">
         <dgm:alg type="sp"/>
         <dgm:shape xmlns:r="http://schemas.openxmlformats.org/officeDocument/2006/relationships" r:blip="">
           <dgm:adjLst/>
@@ -1243,7 +1278,7 @@
         <dgm:presOf/>
         <dgm:constrLst/>
         <dgm:ruleLst/>
-      </dgm:layoutNode>
+      </dgm:layoutNode>-->
       <dgm:forEach name="Name4" axis="ch" ptType="node">
         <dgm:layoutNode name="linV">
           <dgm:alg type="lin">
@@ -1256,6 +1291,9 @@
           <dgm:constrLst>
             <dgm:constr type="w" for="ch" forName="spVertical1" refType="w"/>
             <dgm:constr type="w" for="ch" forName="parTx" refType="w"/>
+            <dgm:constr type="w" for="ch" forName="spVertical2" refType="w"/>
+            <dgm:constr type="w" for="ch" forName="spVertical3" refType="w"/>
+            <dgm:constr type="w" for="ch" forName="desTx" refType="w"/>
           </dgm:constrLst>
           <dgm:ruleLst/>
           <dgm:layoutNode name="spVertical1">
@@ -1282,6 +1320,8 @@
             </dgm:shape>
             <dgm:presOf axis="self" ptType="node"/>
             <dgm:constrLst>
+              <dgm:constr type="userT"/>
+              <dgm:constr type="h" refType="userT" op="lte"/>
               <dgm:constr type="tMarg" refType="primFontSz" fact="0.8"/>
               <dgm:constr type="bMarg" refType="tMarg"/>
               <dgm:constr type="lMarg"/>
@@ -1291,8 +1331,72 @@
               <dgm:rule type="h" val="INF" fact="NaN" max="NaN"/>
             </dgm:ruleLst>
           </dgm:layoutNode>
+          <dgm:layoutNode name="spVertical2">
+            <dgm:alg type="sp"/>
+            <dgm:shape xmlns:r="http://schemas.openxmlformats.org/officeDocument/2006/relationships" r:blip="">
+              <dgm:adjLst/>
+            </dgm:shape>
+            <dgm:presOf/>
+            <dgm:constrLst/>
+            <dgm:ruleLst/>
+          </dgm:layoutNode>
+          <dgm:layoutNode name="spVertical3">
+            <dgm:alg type="sp"/>
+            <dgm:shape xmlns:r="http://schemas.openxmlformats.org/officeDocument/2006/relationships" r:blip="">
+              <dgm:adjLst/>
+            </dgm:shape>
+            <dgm:presOf/>
+            <dgm:constrLst/>
+            <dgm:ruleLst/>
+          </dgm:layoutNode>
+          <dgm:choose name="Name11">
+            <dgm:if name="Name12" axis="ch" ptType="node" func="cnt" op="gte" val="1">
+              <dgm:layoutNode name="desTx" styleLbl="revTx">
+                <dgm:varLst>
+                  <dgm:bulletEnabled val="1"/>
+                </dgm:varLst>
+                <dgm:alg type="tx">
+                  <dgm:param type="stBulletLvl" val="1"/>
+                </dgm:alg>
+                <dgm:shape xmlns:r="http://schemas.openxmlformats.org/officeDocument/2006/relationships" type="rect" r:blip="">
+                  <dgm:adjLst/>
+                </dgm:shape>
+                <dgm:presOf axis="des" ptType="node"/>
+                <dgm:constrLst>
+                  <dgm:constr type="tMarg"/>
+                  <dgm:constr type="bMarg"/>
+                  <dgm:constr type="rMarg"/>
+                  <dgm:constr type="lMarg"/>
+                </dgm:constrLst>
+                <dgm:ruleLst>
+                  <dgm:rule type="h" val="INF" fact="NaN" max="NaN"/>
+                </dgm:ruleLst>
+              </dgm:layoutNode>
+            </dgm:if>
+            <dgm:else name="Name13"/>
+          </dgm:choose>
         </dgm:layoutNode>
+        <dgm:forEach name="Name14" axis="followSib" ptType="sibTrans" cnt="1">
+          <dgm:layoutNode name="space">
+            <dgm:alg type="sp"/>
+            <dgm:shape xmlns:r="http://schemas.openxmlformats.org/officeDocument/2006/relationships" r:blip="">
+              <dgm:adjLst/>
+            </dgm:shape>
+            <dgm:presOf/>
+            <dgm:constrLst/>
+            <dgm:ruleLst/>
+          </dgm:layoutNode>
+        </dgm:forEach>
       </dgm:forEach>
+      <!--<dgm:layoutNode name="padding2">
+        <dgm:alg type="sp"/>
+        <dgm:shape xmlns:r="http://schemas.openxmlformats.org/officeDocument/2006/relationships" r:blip="">
+          <dgm:adjLst/>
+        </dgm:shape>
+        <dgm:presOf/>
+        <dgm:constrLst/>
+        <dgm:ruleLst/>
+      </dgm:layoutNode>-->
       <dgm:layoutNode name="negArrow">
         <dgm:alg type="sp"/>
         <dgm:shape xmlns:r="http://schemas.openxmlformats.org/officeDocument/2006/relationships" r:blip="">
@@ -5356,7 +5460,7 @@
           </p:nvPr>
         </p:nvGraphicFramePr>
         <p:xfrm>
-          <a:off x="1137600" y="1407600"/>
+          <a:off x="1137600" y="2847600"/>
           <a:ext cx="7152480" cy="3633120"/>
         </p:xfrm>
         <a:graphic>

--- a/sd/qa/unit/data/pptx/smartart-linear-rule.pptx
+++ b/sd/qa/unit/data/pptx/smartart-linear-rule.pptx
@@ -1270,7 +1270,7 @@
         <dgm:rule type="w" for="ch" forName="linV" val="0" fact="NaN" max="NaN"/>
         <dgm:rule type="primFontSz" for="des" forName="parTx" val="5" fact="NaN" max="NaN"/>
       </dgm:ruleLst>
-      <!--<dgm:layoutNode name="padding1">
+      <dgm:layoutNode name="padding1">
         <dgm:alg type="sp"/>
         <dgm:shape xmlns:r="http://schemas.openxmlformats.org/officeDocument/2006/relationships" r:blip="">
           <dgm:adjLst/>
@@ -1278,7 +1278,7 @@
         <dgm:presOf/>
         <dgm:constrLst/>
         <dgm:ruleLst/>
-      </dgm:layoutNode>-->
+      </dgm:layoutNode>
       <dgm:forEach name="Name4" axis="ch" ptType="node">
         <dgm:layoutNode name="linV">
           <dgm:alg type="lin">
@@ -1388,7 +1388,7 @@
           </dgm:layoutNode>
         </dgm:forEach>
       </dgm:forEach>
-      <!--<dgm:layoutNode name="padding2">
+      <dgm:layoutNode name="padding2">
         <dgm:alg type="sp"/>
         <dgm:shape xmlns:r="http://schemas.openxmlformats.org/officeDocument/2006/relationships" r:blip="">
           <dgm:adjLst/>
@@ -1396,7 +1396,7 @@
         <dgm:presOf/>
         <dgm:constrLst/>
         <dgm:ruleLst/>
-      </dgm:layoutNode>-->
+      </dgm:layoutNode>
       <dgm:layoutNode name="negArrow">
         <dgm:alg type="sp"/>
         <dgm:shape xmlns:r="http://schemas.openxmlformats.org/officeDocument/2006/relationships" r:blip="">
